--- a/Meet Data/EviWare.pptx
+++ b/Meet Data/EviWare.pptx
@@ -394,7 +394,7 @@
             <a:fld id="{96DFF08F-DC6B-4601-B491-B0F83F6DD2DA}" type="datetimeFigureOut">
               <a:rPr lang="en-US" dirty="0"/>
               <a:pPr/>
-              <a:t>3/28/2019</a:t>
+              <a:t>4/1/2019</a:t>
             </a:fld>
             <a:endParaRPr lang="en-US" dirty="0"/>
           </a:p>
@@ -594,7 +594,7 @@
           <a:p>
             <a:fld id="{96DFF08F-DC6B-4601-B491-B0F83F6DD2DA}" type="datetimeFigureOut">
               <a:rPr lang="en-US" dirty="0"/>
-              <a:t>3/28/2019</a:t>
+              <a:t>4/1/2019</a:t>
             </a:fld>
             <a:endParaRPr lang="en-US" dirty="0"/>
           </a:p>
@@ -769,7 +769,7 @@
           <a:p>
             <a:fld id="{96DFF08F-DC6B-4601-B491-B0F83F6DD2DA}" type="datetimeFigureOut">
               <a:rPr lang="en-US" dirty="0"/>
-              <a:t>3/28/2019</a:t>
+              <a:t>4/1/2019</a:t>
             </a:fld>
             <a:endParaRPr lang="en-US" dirty="0"/>
           </a:p>
@@ -969,7 +969,7 @@
           <a:p>
             <a:fld id="{96DFF08F-DC6B-4601-B491-B0F83F6DD2DA}" type="datetimeFigureOut">
               <a:rPr lang="en-US" dirty="0"/>
-              <a:t>3/28/2019</a:t>
+              <a:t>4/1/2019</a:t>
             </a:fld>
             <a:endParaRPr lang="en-US" dirty="0"/>
           </a:p>
@@ -1259,7 +1259,7 @@
           <a:p>
             <a:fld id="{96DFF08F-DC6B-4601-B491-B0F83F6DD2DA}" type="datetimeFigureOut">
               <a:rPr lang="en-US" dirty="0"/>
-              <a:t>3/28/2019</a:t>
+              <a:t>4/1/2019</a:t>
             </a:fld>
             <a:endParaRPr lang="en-US" dirty="0"/>
           </a:p>
@@ -1526,7 +1526,7 @@
           <a:p>
             <a:fld id="{96DFF08F-DC6B-4601-B491-B0F83F6DD2DA}" type="datetimeFigureOut">
               <a:rPr lang="en-US" dirty="0"/>
-              <a:t>3/28/2019</a:t>
+              <a:t>4/1/2019</a:t>
             </a:fld>
             <a:endParaRPr lang="en-US" dirty="0"/>
           </a:p>
@@ -1928,7 +1928,7 @@
           <a:p>
             <a:fld id="{96DFF08F-DC6B-4601-B491-B0F83F6DD2DA}" type="datetimeFigureOut">
               <a:rPr lang="en-US" dirty="0"/>
-              <a:t>3/28/2019</a:t>
+              <a:t>4/1/2019</a:t>
             </a:fld>
             <a:endParaRPr lang="en-US" dirty="0"/>
           </a:p>
@@ -2041,7 +2041,7 @@
           <a:p>
             <a:fld id="{96DFF08F-DC6B-4601-B491-B0F83F6DD2DA}" type="datetimeFigureOut">
               <a:rPr lang="en-US" dirty="0"/>
-              <a:t>3/28/2019</a:t>
+              <a:t>4/1/2019</a:t>
             </a:fld>
             <a:endParaRPr lang="en-US" dirty="0"/>
           </a:p>
@@ -2131,7 +2131,7 @@
           <a:p>
             <a:fld id="{96DFF08F-DC6B-4601-B491-B0F83F6DD2DA}" type="datetimeFigureOut">
               <a:rPr lang="en-US" dirty="0"/>
-              <a:t>3/28/2019</a:t>
+              <a:t>4/1/2019</a:t>
             </a:fld>
             <a:endParaRPr lang="en-US" dirty="0"/>
           </a:p>
@@ -2416,7 +2416,7 @@
           <a:p>
             <a:fld id="{96DFF08F-DC6B-4601-B491-B0F83F6DD2DA}" type="datetimeFigureOut">
               <a:rPr lang="en-US" dirty="0"/>
-              <a:t>3/28/2019</a:t>
+              <a:t>4/1/2019</a:t>
             </a:fld>
             <a:endParaRPr lang="en-US" dirty="0"/>
           </a:p>
@@ -2691,7 +2691,7 @@
           <a:p>
             <a:fld id="{C7616CA0-919D-4A49-9C8A-62FDFB3A5183}" type="datetimeFigureOut">
               <a:rPr lang="en-US" dirty="0"/>
-              <a:t>3/28/2019</a:t>
+              <a:t>4/1/2019</a:t>
             </a:fld>
             <a:endParaRPr lang="en-US" dirty="0"/>
           </a:p>
@@ -2937,7 +2937,7 @@
             <a:fld id="{96DFF08F-DC6B-4601-B491-B0F83F6DD2DA}" type="datetimeFigureOut">
               <a:rPr lang="en-US" dirty="0"/>
               <a:pPr/>
-              <a:t>3/28/2019</a:t>
+              <a:t>4/1/2019</a:t>
             </a:fld>
             <a:endParaRPr lang="en-US" dirty="0"/>
           </a:p>
